--- a/src/24LukacMPresentation.pptx
+++ b/src/24LukacMPresentation.pptx
@@ -476,7 +476,7 @@
           <a:p>
             <a:fld id="{8A3A43DF-04A3-4662-88CA-28FDED1CFC09}" type="datetimeFigureOut">
               <a:rPr lang="cs-CZ" smtClean="0"/>
-              <a:t>19.12.2022</a:t>
+              <a:t>01.01.2023</a:t>
             </a:fld>
             <a:endParaRPr lang="cs-CZ"/>
           </a:p>
@@ -644,7 +644,7 @@
           <a:p>
             <a:fld id="{8A3A43DF-04A3-4662-88CA-28FDED1CFC09}" type="datetimeFigureOut">
               <a:rPr lang="cs-CZ" smtClean="0"/>
-              <a:t>19.12.2022</a:t>
+              <a:t>01.01.2023</a:t>
             </a:fld>
             <a:endParaRPr lang="cs-CZ"/>
           </a:p>
@@ -822,7 +822,7 @@
           <a:p>
             <a:fld id="{8A3A43DF-04A3-4662-88CA-28FDED1CFC09}" type="datetimeFigureOut">
               <a:rPr lang="cs-CZ" smtClean="0"/>
-              <a:t>19.12.2022</a:t>
+              <a:t>01.01.2023</a:t>
             </a:fld>
             <a:endParaRPr lang="cs-CZ"/>
           </a:p>
@@ -990,7 +990,7 @@
           <a:p>
             <a:fld id="{8A3A43DF-04A3-4662-88CA-28FDED1CFC09}" type="datetimeFigureOut">
               <a:rPr lang="cs-CZ" smtClean="0"/>
-              <a:t>19.12.2022</a:t>
+              <a:t>01.01.2023</a:t>
             </a:fld>
             <a:endParaRPr lang="cs-CZ"/>
           </a:p>
@@ -1235,7 +1235,7 @@
           <a:p>
             <a:fld id="{8A3A43DF-04A3-4662-88CA-28FDED1CFC09}" type="datetimeFigureOut">
               <a:rPr lang="cs-CZ" smtClean="0"/>
-              <a:t>19.12.2022</a:t>
+              <a:t>01.01.2023</a:t>
             </a:fld>
             <a:endParaRPr lang="cs-CZ"/>
           </a:p>
@@ -1464,7 +1464,7 @@
           <a:p>
             <a:fld id="{8A3A43DF-04A3-4662-88CA-28FDED1CFC09}" type="datetimeFigureOut">
               <a:rPr lang="cs-CZ" smtClean="0"/>
-              <a:t>19.12.2022</a:t>
+              <a:t>01.01.2023</a:t>
             </a:fld>
             <a:endParaRPr lang="cs-CZ"/>
           </a:p>
@@ -1828,7 +1828,7 @@
           <a:p>
             <a:fld id="{8A3A43DF-04A3-4662-88CA-28FDED1CFC09}" type="datetimeFigureOut">
               <a:rPr lang="cs-CZ" smtClean="0"/>
-              <a:t>19.12.2022</a:t>
+              <a:t>01.01.2023</a:t>
             </a:fld>
             <a:endParaRPr lang="cs-CZ"/>
           </a:p>
@@ -1945,7 +1945,7 @@
           <a:p>
             <a:fld id="{8A3A43DF-04A3-4662-88CA-28FDED1CFC09}" type="datetimeFigureOut">
               <a:rPr lang="cs-CZ" smtClean="0"/>
-              <a:t>19.12.2022</a:t>
+              <a:t>01.01.2023</a:t>
             </a:fld>
             <a:endParaRPr lang="cs-CZ"/>
           </a:p>
@@ -2040,7 +2040,7 @@
           <a:p>
             <a:fld id="{8A3A43DF-04A3-4662-88CA-28FDED1CFC09}" type="datetimeFigureOut">
               <a:rPr lang="cs-CZ" smtClean="0"/>
-              <a:t>19.12.2022</a:t>
+              <a:t>01.01.2023</a:t>
             </a:fld>
             <a:endParaRPr lang="cs-CZ"/>
           </a:p>
@@ -2315,7 +2315,7 @@
           <a:p>
             <a:fld id="{8A3A43DF-04A3-4662-88CA-28FDED1CFC09}" type="datetimeFigureOut">
               <a:rPr lang="cs-CZ" smtClean="0"/>
-              <a:t>19.12.2022</a:t>
+              <a:t>01.01.2023</a:t>
             </a:fld>
             <a:endParaRPr lang="cs-CZ"/>
           </a:p>
@@ -2567,7 +2567,7 @@
           <a:p>
             <a:fld id="{8A3A43DF-04A3-4662-88CA-28FDED1CFC09}" type="datetimeFigureOut">
               <a:rPr lang="cs-CZ" smtClean="0"/>
-              <a:t>19.12.2022</a:t>
+              <a:t>01.01.2023</a:t>
             </a:fld>
             <a:endParaRPr lang="cs-CZ"/>
           </a:p>
@@ -2778,7 +2778,7 @@
           <a:p>
             <a:fld id="{8A3A43DF-04A3-4662-88CA-28FDED1CFC09}" type="datetimeFigureOut">
               <a:rPr lang="cs-CZ" smtClean="0"/>
-              <a:t>19.12.2022</a:t>
+              <a:t>01.01.2023</a:t>
             </a:fld>
             <a:endParaRPr lang="cs-CZ"/>
           </a:p>
@@ -3643,19 +3643,17 @@
       </p:sp>
       <p:pic>
         <p:nvPicPr>
-          <p:cNvPr id="4" name="Obrázek 4" descr="Obsah obrázku text&#10;&#10;Popis se vygeneroval automaticky.">
+          <p:cNvPr id="6" name="Obrázek 5">
             <a:extLst>
               <a:ext uri="{FF2B5EF4-FFF2-40B4-BE49-F238E27FC236}">
-                <a16:creationId xmlns:a16="http://schemas.microsoft.com/office/drawing/2014/main" id="{25979B85-F976-6882-9C6B-645F2178BAAE}"/>
+                <a16:creationId xmlns:a16="http://schemas.microsoft.com/office/drawing/2014/main" id="{B73819C4-20FC-AD88-153D-69A053FAEFD5}"/>
               </a:ext>
             </a:extLst>
           </p:cNvPr>
           <p:cNvPicPr>
-            <a:picLocks noGrp="1" noChangeAspect="1"/>
+            <a:picLocks noChangeAspect="1"/>
           </p:cNvPicPr>
-          <p:nvPr>
-            <p:ph idx="1"/>
-          </p:nvPr>
+          <p:nvPr/>
         </p:nvPicPr>
         <p:blipFill>
           <a:blip r:embed="rId2"/>
@@ -3665,17 +3663,20 @@
         </p:blipFill>
         <p:spPr>
           <a:xfrm>
-            <a:off x="1591871" y="1285744"/>
-            <a:ext cx="4062353" cy="5028671"/>
+            <a:off x="5970039" y="1285744"/>
+            <a:ext cx="4858428" cy="4706007"/>
           </a:xfrm>
+          <a:prstGeom prst="rect">
+            <a:avLst/>
+          </a:prstGeom>
         </p:spPr>
       </p:pic>
       <p:pic>
         <p:nvPicPr>
-          <p:cNvPr id="5" name="Obrázek 5" descr="Obsah obrázku text&#10;&#10;Popis se vygeneroval automaticky.">
+          <p:cNvPr id="14" name="Obrázek 13">
             <a:extLst>
               <a:ext uri="{FF2B5EF4-FFF2-40B4-BE49-F238E27FC236}">
-                <a16:creationId xmlns:a16="http://schemas.microsoft.com/office/drawing/2014/main" id="{A40EB155-63E1-CF0E-7E44-6F0CFAC47CBF}"/>
+                <a16:creationId xmlns:a16="http://schemas.microsoft.com/office/drawing/2014/main" id="{5EEA55FC-5CC2-7FC3-F5F7-28319C3DA338}"/>
               </a:ext>
             </a:extLst>
           </p:cNvPr>
@@ -3692,8 +3693,8 @@
         </p:blipFill>
         <p:spPr>
           <a:xfrm>
-            <a:off x="5947363" y="1284781"/>
-            <a:ext cx="4455348" cy="4636512"/>
+            <a:off x="1265655" y="1285743"/>
+            <a:ext cx="3210091" cy="5347889"/>
           </a:xfrm>
           <a:prstGeom prst="rect">
             <a:avLst/>
@@ -3763,19 +3764,17 @@
       </p:sp>
       <p:pic>
         <p:nvPicPr>
-          <p:cNvPr id="4" name="Obrázek 4" descr="Obsah obrázku text&#10;&#10;Popis se vygeneroval automaticky.">
+          <p:cNvPr id="8" name="Obrázek 7">
             <a:extLst>
               <a:ext uri="{FF2B5EF4-FFF2-40B4-BE49-F238E27FC236}">
-                <a16:creationId xmlns:a16="http://schemas.microsoft.com/office/drawing/2014/main" id="{385C8E34-AB1E-178F-DEA1-8918ED39AF59}"/>
+                <a16:creationId xmlns:a16="http://schemas.microsoft.com/office/drawing/2014/main" id="{BB49DB60-581A-8D07-7E88-AF4FDF6FA41D}"/>
               </a:ext>
             </a:extLst>
           </p:cNvPr>
           <p:cNvPicPr>
-            <a:picLocks noGrp="1" noChangeAspect="1"/>
+            <a:picLocks noChangeAspect="1"/>
           </p:cNvPicPr>
-          <p:nvPr>
-            <p:ph idx="1"/>
-          </p:nvPr>
+          <p:nvPr/>
         </p:nvPicPr>
         <p:blipFill>
           <a:blip r:embed="rId2"/>
@@ -3785,17 +3784,20 @@
         </p:blipFill>
         <p:spPr>
           <a:xfrm>
-            <a:off x="875944" y="1490521"/>
-            <a:ext cx="2934170" cy="1937102"/>
+            <a:off x="838200" y="1427012"/>
+            <a:ext cx="3050226" cy="1931810"/>
           </a:xfrm>
+          <a:prstGeom prst="rect">
+            <a:avLst/>
+          </a:prstGeom>
         </p:spPr>
       </p:pic>
       <p:pic>
         <p:nvPicPr>
-          <p:cNvPr id="5" name="Obrázek 5" descr="Obsah obrázku text&#10;&#10;Popis se vygeneroval automaticky.">
+          <p:cNvPr id="12" name="Obrázek 11">
             <a:extLst>
               <a:ext uri="{FF2B5EF4-FFF2-40B4-BE49-F238E27FC236}">
-                <a16:creationId xmlns:a16="http://schemas.microsoft.com/office/drawing/2014/main" id="{E1FE47F5-9377-8CC2-103B-BC4FE5ABC4FD}"/>
+                <a16:creationId xmlns:a16="http://schemas.microsoft.com/office/drawing/2014/main" id="{96989C31-3F3F-45AA-29B5-AF9C1693E3AA}"/>
               </a:ext>
             </a:extLst>
           </p:cNvPr>
@@ -3812,8 +3814,8 @@
         </p:blipFill>
         <p:spPr>
           <a:xfrm>
-            <a:off x="876918" y="3770406"/>
-            <a:ext cx="2575865" cy="1939101"/>
+            <a:off x="876918" y="3770405"/>
+            <a:ext cx="2643529" cy="1931809"/>
           </a:xfrm>
           <a:prstGeom prst="rect">
             <a:avLst/>
@@ -3822,10 +3824,10 @@
       </p:pic>
       <p:pic>
         <p:nvPicPr>
-          <p:cNvPr id="6" name="Obrázek 6" descr="Obsah obrázku text&#10;&#10;Popis se vygeneroval automaticky.">
+          <p:cNvPr id="14" name="Obrázek 13">
             <a:extLst>
               <a:ext uri="{FF2B5EF4-FFF2-40B4-BE49-F238E27FC236}">
-                <a16:creationId xmlns:a16="http://schemas.microsoft.com/office/drawing/2014/main" id="{2E593E9B-4709-FE27-339E-A1EFDE15B8CA}"/>
+                <a16:creationId xmlns:a16="http://schemas.microsoft.com/office/drawing/2014/main" id="{D03EF28C-937A-A8E7-A809-97CE0B136CBD}"/>
               </a:ext>
             </a:extLst>
           </p:cNvPr>
@@ -3842,8 +3844,8 @@
         </p:blipFill>
         <p:spPr>
           <a:xfrm>
-            <a:off x="4374856" y="1489428"/>
-            <a:ext cx="2407473" cy="1931811"/>
+            <a:off x="4371857" y="1492678"/>
+            <a:ext cx="2463312" cy="1931809"/>
           </a:xfrm>
           <a:prstGeom prst="rect">
             <a:avLst/>
@@ -3852,10 +3854,10 @@
       </p:pic>
       <p:pic>
         <p:nvPicPr>
-          <p:cNvPr id="7" name="Obrázek 7" descr="Obsah obrázku text&#10;&#10;Popis se vygeneroval automaticky.">
+          <p:cNvPr id="16" name="Obrázek 15">
             <a:extLst>
               <a:ext uri="{FF2B5EF4-FFF2-40B4-BE49-F238E27FC236}">
-                <a16:creationId xmlns:a16="http://schemas.microsoft.com/office/drawing/2014/main" id="{15E07A55-1766-CCE1-EE88-F2F5C742E489}"/>
+                <a16:creationId xmlns:a16="http://schemas.microsoft.com/office/drawing/2014/main" id="{5B9D8543-F69C-D0F7-DFC2-9608A136BB0E}"/>
               </a:ext>
             </a:extLst>
           </p:cNvPr>
@@ -3872,8 +3874,8 @@
         </p:blipFill>
         <p:spPr>
           <a:xfrm>
-            <a:off x="4371857" y="3678708"/>
-            <a:ext cx="2676877" cy="2031176"/>
+            <a:off x="4371857" y="3673302"/>
+            <a:ext cx="2340656" cy="1931808"/>
           </a:xfrm>
           <a:prstGeom prst="rect">
             <a:avLst/>
